--- a/myfile.pptx
+++ b/myfile.pptx
@@ -1,15 +1,15 @@
 
 <file path=ppt/presentation.xml><?xml version="1.0" encoding="utf-8"?>
-<p:presentation xmlns:a="http://schemas.openxmlformats.org/drawingml/2006/main" xmlns:r="http://schemas.openxmlformats.org/officeDocument/2006/relationships" xmlns:p="http://schemas.openxmlformats.org/presentationml/2006/main" xmlns:m="http://schemas.openxmlformats.org/officeDocument/2006/math" xmlns:w="http://schemas.openxmlformats.org/wordprocessingml/2006/main" saveSubsetFonts="1">
+<p:presentation xmlns:a="http://schemas.openxmlformats.org/drawingml/2006/main" xmlns:r="http://schemas.openxmlformats.org/officeDocument/2006/relationships" xmlns:p="http://schemas.openxmlformats.org/presentationml/2006/main" saveSubsetFonts="1">
   <p:sldMasterIdLst>
     <p:sldMasterId id="2147483648" r:id="rId1"/>
   </p:sldMasterIdLst>
   <p:notesMasterIdLst>
-    <p:notesMasterId r:id="rId6"/>
+    <p:notesMasterId r:id="rId4"/>
   </p:notesMasterIdLst>
   <p:sldIdLst>
-    <p:sldId id="256" r:id="rId4"/>
-    <p:sldId id="257" r:id="rId5"/>
+    <p:sldId id="256" r:id="rId2"/>
+    <p:sldId id="257" r:id="rId3"/>
   </p:sldIdLst>
   <p:sldSz cx="12192000" cy="6858000"/>
   <p:notesSz cx="6858000" cy="9144000"/>
@@ -108,12 +108,28 @@
       </a:defRPr>
     </a:lvl9pPr>
   </p:defaultTextStyle>
+  <p:extLst>
+    <p:ext uri="{EFAFB233-063F-42B5-8137-9DF3F51BA10A}">
+      <p15:sldGuideLst xmlns:p15="http://schemas.microsoft.com/office/powerpoint/2012/main">
+        <p15:guide id="1" pos="3840">
+          <p15:clr>
+            <a:srgbClr val="A4A3A4"/>
+          </p15:clr>
+        </p15:guide>
+        <p15:guide id="2" orient="horz" pos="2160">
+          <p15:clr>
+            <a:srgbClr val="A4A3A4"/>
+          </p15:clr>
+        </p15:guide>
+      </p15:sldGuideLst>
+    </p:ext>
+  </p:extLst>
 </p:presentation>
 </file>
 
 <file path=ppt/notesMasters/notesMaster1.xml><?xml version="1.0" encoding="utf-8"?>
 <p:notesMaster xmlns:a="http://schemas.openxmlformats.org/drawingml/2006/main" xmlns:r="http://schemas.openxmlformats.org/officeDocument/2006/relationships" xmlns:p="http://schemas.openxmlformats.org/presentationml/2006/main">
-  <p:cSld name="">
+  <p:cSld>
     <p:bg>
       <p:bgRef idx="1001">
         <a:schemeClr val="bg1"/>
@@ -199,7 +215,7 @@
             </a:pPr>
             <a:fld id="{3632E96E-41F7-40C5-8419-297958CC00FA}" type="datetimeFigureOut">
               <a:rPr lang="en-US"/>
-              <a:t>10/30/2013</a:t>
+              <a:t>4/29/25</a:t>
             </a:fld>
             <a:endParaRPr lang="en-US"/>
           </a:p>
@@ -209,7 +225,7 @@
         <p:nvSpPr>
           <p:cNvPr id="805418100" name="Slide Image Placeholder 3"/>
           <p:cNvSpPr>
-            <a:spLocks noChangeAspect="1" noGrp="1" noRot="1"/>
+            <a:spLocks noGrp="1" noRot="1" noChangeAspect="1"/>
           </p:cNvSpPr>
           <p:nvPr>
             <p:ph type="sldImg" idx="2"/>
@@ -311,7 +327,6 @@
               <a:rPr lang="en-US"/>
               <a:t>Fifth level</a:t>
             </a:r>
-            <a:endParaRPr lang="en-US"/>
           </a:p>
         </p:txBody>
       </p:sp>
@@ -486,8 +501,8 @@
 </file>
 
 <file path=ppt/notesSlides/notesSlide1.xml><?xml version="1.0" encoding="utf-8"?>
-<p:notes xmlns:a="http://schemas.openxmlformats.org/drawingml/2006/main" xmlns:r="http://schemas.openxmlformats.org/officeDocument/2006/relationships" xmlns:p="http://schemas.openxmlformats.org/presentationml/2006/main" xmlns:m="http://schemas.openxmlformats.org/officeDocument/2006/math" xmlns:w="http://schemas.openxmlformats.org/wordprocessingml/2006/main">
-  <p:cSld name="">
+<p:notes xmlns:a="http://schemas.openxmlformats.org/drawingml/2006/main" xmlns:r="http://schemas.openxmlformats.org/officeDocument/2006/relationships" xmlns:p="http://schemas.openxmlformats.org/presentationml/2006/main">
+  <p:cSld>
     <p:spTree>
       <p:nvGrpSpPr>
         <p:cNvPr id="1" name=""/>
@@ -506,7 +521,7 @@
         <p:nvSpPr>
           <p:cNvPr id="504212753" name="Slide Image Placeholder 1"/>
           <p:cNvSpPr>
-            <a:spLocks noChangeAspect="1" noGrp="1" noRot="1"/>
+            <a:spLocks noGrp="1" noRot="1" noChangeAspect="1"/>
           </p:cNvSpPr>
           <p:nvPr>
             <p:ph type="sldImg"/>
@@ -572,12 +587,15 @@
       </p:sp>
     </p:spTree>
   </p:cSld>
+  <p:clrMapOvr>
+    <a:masterClrMapping/>
+  </p:clrMapOvr>
 </p:notes>
 </file>
 
 <file path=ppt/notesSlides/notesSlide2.xml><?xml version="1.0" encoding="utf-8"?>
-<p:notes xmlns:a="http://schemas.openxmlformats.org/drawingml/2006/main" xmlns:r="http://schemas.openxmlformats.org/officeDocument/2006/relationships" xmlns:p="http://schemas.openxmlformats.org/presentationml/2006/main" xmlns:m="http://schemas.openxmlformats.org/officeDocument/2006/math" xmlns:w="http://schemas.openxmlformats.org/wordprocessingml/2006/main">
-  <p:cSld name="">
+<p:notes xmlns:a="http://schemas.openxmlformats.org/drawingml/2006/main" xmlns:r="http://schemas.openxmlformats.org/officeDocument/2006/relationships" xmlns:p="http://schemas.openxmlformats.org/presentationml/2006/main">
+  <p:cSld>
     <p:spTree>
       <p:nvGrpSpPr>
         <p:cNvPr id="1" name=""/>
@@ -596,7 +614,7 @@
         <p:nvSpPr>
           <p:cNvPr id="688874517" name="Slide Image Placeholder 1"/>
           <p:cNvSpPr>
-            <a:spLocks noChangeAspect="1" noGrp="1" noRot="1"/>
+            <a:spLocks noGrp="1" noRot="1" noChangeAspect="1"/>
           </p:cNvSpPr>
           <p:nvPr>
             <p:ph type="sldImg"/>
@@ -646,7 +664,7 @@
             </a:pPr>
             <a:fld id="{C4AC7780-5749-EB23-FFFA-D1660AFDFFFE}" type="slidenum">
               <a:rPr/>
-              <a:t/>
+              <a:t>2</a:t>
             </a:fld>
             <a:endParaRPr/>
           </a:p>
@@ -654,11 +672,14 @@
       </p:sp>
     </p:spTree>
   </p:cSld>
+  <p:clrMapOvr>
+    <a:masterClrMapping/>
+  </p:clrMapOvr>
 </p:notes>
 </file>
 
 <file path=ppt/slideLayouts/slideLayout1.xml><?xml version="1.0" encoding="utf-8"?>
-<p:sldLayout xmlns:a="http://schemas.openxmlformats.org/drawingml/2006/main" xmlns:r="http://schemas.openxmlformats.org/officeDocument/2006/relationships" xmlns:p="http://schemas.openxmlformats.org/presentationml/2006/main" xmlns:m="http://schemas.openxmlformats.org/officeDocument/2006/math" xmlns:w="http://schemas.openxmlformats.org/wordprocessingml/2006/main" matchingName="" preserve="1" showMasterPhAnim="0" showMasterSp="1" type="title" userDrawn="1">
+<p:sldLayout xmlns:a="http://schemas.openxmlformats.org/drawingml/2006/main" xmlns:r="http://schemas.openxmlformats.org/officeDocument/2006/relationships" xmlns:p="http://schemas.openxmlformats.org/presentationml/2006/main" showMasterPhAnim="0" type="title" preserve="1" userDrawn="1">
   <p:cSld name="Title Slide">
     <p:spTree>
       <p:nvGrpSpPr>
@@ -705,7 +726,6 @@
               <a:rPr lang="en-US"/>
               <a:t>Click to edit Master title style</a:t>
             </a:r>
-            <a:endParaRPr lang="en-US"/>
           </a:p>
         </p:txBody>
       </p:sp>
@@ -773,7 +793,6 @@
               <a:rPr lang="en-US"/>
               <a:t>Click to edit Master subtitle style</a:t>
             </a:r>
-            <a:endParaRPr lang="en-US"/>
           </a:p>
         </p:txBody>
       </p:sp>
@@ -797,7 +816,7 @@
             </a:pPr>
             <a:fld id="{BCC18F51-09EC-435C-A3BA-64A766E099C0}" type="datetimeFigureOut">
               <a:rPr lang="en-US"/>
-              <a:t>4/28/2025</a:t>
+              <a:t>4/29/25</a:t>
             </a:fld>
             <a:endParaRPr lang="en-US"/>
           </a:p>
@@ -845,7 +864,7 @@
             </a:pPr>
             <a:fld id="{08395586-F03A-48D1-94DF-16B239DF4FB5}" type="slidenum">
               <a:rPr lang="en-US"/>
-              <a:t>1</a:t>
+              <a:t>‹#›</a:t>
             </a:fld>
             <a:endParaRPr lang="en-US"/>
           </a:p>
@@ -860,7 +879,7 @@
 </file>
 
 <file path=ppt/slideLayouts/slideLayout10.xml><?xml version="1.0" encoding="utf-8"?>
-<p:sldLayout xmlns:a="http://schemas.openxmlformats.org/drawingml/2006/main" xmlns:r="http://schemas.openxmlformats.org/officeDocument/2006/relationships" xmlns:p="http://schemas.openxmlformats.org/presentationml/2006/main" xmlns:m="http://schemas.openxmlformats.org/officeDocument/2006/math" xmlns:w="http://schemas.openxmlformats.org/wordprocessingml/2006/main" matchingName="" preserve="1" showMasterPhAnim="0" showMasterSp="1" type="vertTx" userDrawn="1">
+<p:sldLayout xmlns:a="http://schemas.openxmlformats.org/drawingml/2006/main" xmlns:r="http://schemas.openxmlformats.org/officeDocument/2006/relationships" xmlns:p="http://schemas.openxmlformats.org/presentationml/2006/main" showMasterPhAnim="0" type="vertTx" preserve="1" userDrawn="1">
   <p:cSld name="Title and Vertical Text">
     <p:spTree>
       <p:nvGrpSpPr>
@@ -898,7 +917,6 @@
               <a:rPr lang="en-US"/>
               <a:t>Click to edit Master title style</a:t>
             </a:r>
-            <a:endParaRPr lang="en-US"/>
           </a:p>
         </p:txBody>
       </p:sp>
@@ -964,7 +982,6 @@
               <a:rPr lang="en-US"/>
               <a:t>Fifth level</a:t>
             </a:r>
-            <a:endParaRPr lang="en-US"/>
           </a:p>
         </p:txBody>
       </p:sp>
@@ -988,7 +1005,7 @@
             </a:pPr>
             <a:fld id="{BCC18F51-09EC-435C-A3BA-64A766E099C0}" type="datetimeFigureOut">
               <a:rPr lang="en-US"/>
-              <a:t>4/28/2025</a:t>
+              <a:t>4/29/25</a:t>
             </a:fld>
             <a:endParaRPr lang="en-US"/>
           </a:p>
@@ -1036,7 +1053,7 @@
             </a:pPr>
             <a:fld id="{08395586-F03A-48D1-94DF-16B239DF4FB5}" type="slidenum">
               <a:rPr lang="en-US"/>
-              <a:t>&lt;#&gt;</a:t>
+              <a:t>‹#›</a:t>
             </a:fld>
             <a:endParaRPr lang="en-US"/>
           </a:p>
@@ -1051,7 +1068,7 @@
 </file>
 
 <file path=ppt/slideLayouts/slideLayout11.xml><?xml version="1.0" encoding="utf-8"?>
-<p:sldLayout xmlns:a="http://schemas.openxmlformats.org/drawingml/2006/main" xmlns:r="http://schemas.openxmlformats.org/officeDocument/2006/relationships" xmlns:p="http://schemas.openxmlformats.org/presentationml/2006/main" xmlns:m="http://schemas.openxmlformats.org/officeDocument/2006/math" xmlns:w="http://schemas.openxmlformats.org/wordprocessingml/2006/main" matchingName="" preserve="1" showMasterPhAnim="0" showMasterSp="1" type="vertTitleAndTx" userDrawn="1">
+<p:sldLayout xmlns:a="http://schemas.openxmlformats.org/drawingml/2006/main" xmlns:r="http://schemas.openxmlformats.org/officeDocument/2006/relationships" xmlns:p="http://schemas.openxmlformats.org/presentationml/2006/main" showMasterPhAnim="0" type="vertTitleAndTx" preserve="1" userDrawn="1">
   <p:cSld name="Vertical Title and Text">
     <p:spTree>
       <p:nvGrpSpPr>
@@ -1094,7 +1111,6 @@
               <a:rPr lang="en-US"/>
               <a:t>Click to edit Master title style</a:t>
             </a:r>
-            <a:endParaRPr lang="en-US"/>
           </a:p>
         </p:txBody>
       </p:sp>
@@ -1165,7 +1181,6 @@
               <a:rPr lang="en-US"/>
               <a:t>Fifth level</a:t>
             </a:r>
-            <a:endParaRPr lang="en-US"/>
           </a:p>
         </p:txBody>
       </p:sp>
@@ -1189,7 +1204,7 @@
             </a:pPr>
             <a:fld id="{BCC18F51-09EC-435C-A3BA-64A766E099C0}" type="datetimeFigureOut">
               <a:rPr lang="en-US"/>
-              <a:t>4/28/2025</a:t>
+              <a:t>4/29/25</a:t>
             </a:fld>
             <a:endParaRPr lang="en-US"/>
           </a:p>
@@ -1237,7 +1252,7 @@
             </a:pPr>
             <a:fld id="{08395586-F03A-48D1-94DF-16B239DF4FB5}" type="slidenum">
               <a:rPr lang="en-US"/>
-              <a:t>&lt;#&gt;</a:t>
+              <a:t>‹#›</a:t>
             </a:fld>
             <a:endParaRPr lang="en-US"/>
           </a:p>
@@ -1252,7 +1267,7 @@
 </file>
 
 <file path=ppt/slideLayouts/slideLayout2.xml><?xml version="1.0" encoding="utf-8"?>
-<p:sldLayout xmlns:a="http://schemas.openxmlformats.org/drawingml/2006/main" xmlns:r="http://schemas.openxmlformats.org/officeDocument/2006/relationships" xmlns:p="http://schemas.openxmlformats.org/presentationml/2006/main" xmlns:m="http://schemas.openxmlformats.org/officeDocument/2006/math" xmlns:w="http://schemas.openxmlformats.org/wordprocessingml/2006/main" matchingName="" preserve="1" showMasterPhAnim="0" showMasterSp="1" type="obj" userDrawn="1">
+<p:sldLayout xmlns:a="http://schemas.openxmlformats.org/drawingml/2006/main" xmlns:r="http://schemas.openxmlformats.org/officeDocument/2006/relationships" xmlns:p="http://schemas.openxmlformats.org/presentationml/2006/main" showMasterPhAnim="0" type="obj" preserve="1" userDrawn="1">
   <p:cSld name="Title and Content">
     <p:spTree>
       <p:nvGrpSpPr>
@@ -1290,7 +1305,6 @@
               <a:rPr lang="en-US"/>
               <a:t>Click to edit Master title style</a:t>
             </a:r>
-            <a:endParaRPr lang="en-US"/>
           </a:p>
         </p:txBody>
       </p:sp>
@@ -1356,7 +1370,6 @@
               <a:rPr lang="en-US"/>
               <a:t>Fifth level</a:t>
             </a:r>
-            <a:endParaRPr lang="en-US"/>
           </a:p>
         </p:txBody>
       </p:sp>
@@ -1380,7 +1393,7 @@
             </a:pPr>
             <a:fld id="{BCC18F51-09EC-435C-A3BA-64A766E099C0}" type="datetimeFigureOut">
               <a:rPr lang="en-US"/>
-              <a:t>4/28/2025</a:t>
+              <a:t>4/29/25</a:t>
             </a:fld>
             <a:endParaRPr lang="en-US"/>
           </a:p>
@@ -1428,7 +1441,7 @@
             </a:pPr>
             <a:fld id="{08395586-F03A-48D1-94DF-16B239DF4FB5}" type="slidenum">
               <a:rPr lang="en-US"/>
-              <a:t>2</a:t>
+              <a:t>‹#›</a:t>
             </a:fld>
             <a:endParaRPr lang="en-US"/>
           </a:p>
@@ -1443,7 +1456,7 @@
 </file>
 
 <file path=ppt/slideLayouts/slideLayout3.xml><?xml version="1.0" encoding="utf-8"?>
-<p:sldLayout xmlns:a="http://schemas.openxmlformats.org/drawingml/2006/main" xmlns:r="http://schemas.openxmlformats.org/officeDocument/2006/relationships" xmlns:p="http://schemas.openxmlformats.org/presentationml/2006/main" xmlns:m="http://schemas.openxmlformats.org/officeDocument/2006/math" xmlns:w="http://schemas.openxmlformats.org/wordprocessingml/2006/main" matchingName="" preserve="1" showMasterPhAnim="0" showMasterSp="1" type="secHead" userDrawn="1">
+<p:sldLayout xmlns:a="http://schemas.openxmlformats.org/drawingml/2006/main" xmlns:r="http://schemas.openxmlformats.org/officeDocument/2006/relationships" xmlns:p="http://schemas.openxmlformats.org/presentationml/2006/main" showMasterPhAnim="0" type="secHead" preserve="1" userDrawn="1">
   <p:cSld name="Section Header">
     <p:spTree>
       <p:nvGrpSpPr>
@@ -1490,7 +1503,6 @@
               <a:rPr lang="en-US"/>
               <a:t>Click to edit Master title style</a:t>
             </a:r>
-            <a:endParaRPr lang="en-US"/>
           </a:p>
         </p:txBody>
       </p:sp>
@@ -1636,7 +1648,7 @@
             </a:pPr>
             <a:fld id="{BCC18F51-09EC-435C-A3BA-64A766E099C0}" type="datetimeFigureOut">
               <a:rPr lang="en-US"/>
-              <a:t>4/28/2025</a:t>
+              <a:t>4/29/25</a:t>
             </a:fld>
             <a:endParaRPr lang="en-US"/>
           </a:p>
@@ -1684,7 +1696,7 @@
             </a:pPr>
             <a:fld id="{08395586-F03A-48D1-94DF-16B239DF4FB5}" type="slidenum">
               <a:rPr lang="en-US"/>
-              <a:t>&lt;#&gt;</a:t>
+              <a:t>‹#›</a:t>
             </a:fld>
             <a:endParaRPr lang="en-US"/>
           </a:p>
@@ -1699,7 +1711,7 @@
 </file>
 
 <file path=ppt/slideLayouts/slideLayout4.xml><?xml version="1.0" encoding="utf-8"?>
-<p:sldLayout xmlns:a="http://schemas.openxmlformats.org/drawingml/2006/main" xmlns:r="http://schemas.openxmlformats.org/officeDocument/2006/relationships" xmlns:p="http://schemas.openxmlformats.org/presentationml/2006/main" xmlns:m="http://schemas.openxmlformats.org/officeDocument/2006/math" xmlns:w="http://schemas.openxmlformats.org/wordprocessingml/2006/main" matchingName="" preserve="1" showMasterPhAnim="0" showMasterSp="1" type="twoObj" userDrawn="1">
+<p:sldLayout xmlns:a="http://schemas.openxmlformats.org/drawingml/2006/main" xmlns:r="http://schemas.openxmlformats.org/officeDocument/2006/relationships" xmlns:p="http://schemas.openxmlformats.org/presentationml/2006/main" showMasterPhAnim="0" type="twoObj" preserve="1" userDrawn="1">
   <p:cSld name="Two Content">
     <p:spTree>
       <p:nvGrpSpPr>
@@ -1737,7 +1749,6 @@
               <a:rPr lang="en-US"/>
               <a:t>Click to edit Master title style</a:t>
             </a:r>
-            <a:endParaRPr lang="en-US"/>
           </a:p>
         </p:txBody>
       </p:sp>
@@ -1808,7 +1819,6 @@
               <a:rPr lang="en-US"/>
               <a:t>Fifth level</a:t>
             </a:r>
-            <a:endParaRPr lang="en-US"/>
           </a:p>
         </p:txBody>
       </p:sp>
@@ -1879,7 +1889,6 @@
               <a:rPr lang="en-US"/>
               <a:t>Fifth level</a:t>
             </a:r>
-            <a:endParaRPr lang="en-US"/>
           </a:p>
         </p:txBody>
       </p:sp>
@@ -1903,7 +1912,7 @@
             </a:pPr>
             <a:fld id="{BCC18F51-09EC-435C-A3BA-64A766E099C0}" type="datetimeFigureOut">
               <a:rPr lang="en-US"/>
-              <a:t>4/28/2025</a:t>
+              <a:t>4/29/25</a:t>
             </a:fld>
             <a:endParaRPr lang="en-US"/>
           </a:p>
@@ -1951,7 +1960,7 @@
             </a:pPr>
             <a:fld id="{08395586-F03A-48D1-94DF-16B239DF4FB5}" type="slidenum">
               <a:rPr lang="en-US"/>
-              <a:t>&lt;#&gt;</a:t>
+              <a:t>‹#›</a:t>
             </a:fld>
             <a:endParaRPr lang="en-US"/>
           </a:p>
@@ -1966,7 +1975,7 @@
 </file>
 
 <file path=ppt/slideLayouts/slideLayout5.xml><?xml version="1.0" encoding="utf-8"?>
-<p:sldLayout xmlns:a="http://schemas.openxmlformats.org/drawingml/2006/main" xmlns:r="http://schemas.openxmlformats.org/officeDocument/2006/relationships" xmlns:p="http://schemas.openxmlformats.org/presentationml/2006/main" xmlns:m="http://schemas.openxmlformats.org/officeDocument/2006/math" xmlns:w="http://schemas.openxmlformats.org/wordprocessingml/2006/main" matchingName="" preserve="1" showMasterPhAnim="0" showMasterSp="1" type="twoTxTwoObj" userDrawn="1">
+<p:sldLayout xmlns:a="http://schemas.openxmlformats.org/drawingml/2006/main" xmlns:r="http://schemas.openxmlformats.org/officeDocument/2006/relationships" xmlns:p="http://schemas.openxmlformats.org/presentationml/2006/main" showMasterPhAnim="0" type="twoTxTwoObj" preserve="1" userDrawn="1">
   <p:cSld name="Comparison">
     <p:spTree>
       <p:nvGrpSpPr>
@@ -2009,7 +2018,6 @@
               <a:rPr lang="en-US"/>
               <a:t>Click to edit Master title style</a:t>
             </a:r>
-            <a:endParaRPr lang="en-US"/>
           </a:p>
         </p:txBody>
       </p:sp>
@@ -2148,7 +2156,6 @@
               <a:rPr lang="en-US"/>
               <a:t>Fifth level</a:t>
             </a:r>
-            <a:endParaRPr lang="en-US"/>
           </a:p>
         </p:txBody>
       </p:sp>
@@ -2287,7 +2294,6 @@
               <a:rPr lang="en-US"/>
               <a:t>Fifth level</a:t>
             </a:r>
-            <a:endParaRPr lang="en-US"/>
           </a:p>
         </p:txBody>
       </p:sp>
@@ -2311,7 +2317,7 @@
             </a:pPr>
             <a:fld id="{BCC18F51-09EC-435C-A3BA-64A766E099C0}" type="datetimeFigureOut">
               <a:rPr lang="en-US"/>
-              <a:t>4/28/2025</a:t>
+              <a:t>4/29/25</a:t>
             </a:fld>
             <a:endParaRPr lang="en-US"/>
           </a:p>
@@ -2359,7 +2365,7 @@
             </a:pPr>
             <a:fld id="{08395586-F03A-48D1-94DF-16B239DF4FB5}" type="slidenum">
               <a:rPr lang="en-US"/>
-              <a:t>&lt;#&gt;</a:t>
+              <a:t>‹#›</a:t>
             </a:fld>
             <a:endParaRPr lang="en-US"/>
           </a:p>
@@ -2374,7 +2380,7 @@
 </file>
 
 <file path=ppt/slideLayouts/slideLayout6.xml><?xml version="1.0" encoding="utf-8"?>
-<p:sldLayout xmlns:a="http://schemas.openxmlformats.org/drawingml/2006/main" xmlns:r="http://schemas.openxmlformats.org/officeDocument/2006/relationships" xmlns:p="http://schemas.openxmlformats.org/presentationml/2006/main" xmlns:m="http://schemas.openxmlformats.org/officeDocument/2006/math" xmlns:w="http://schemas.openxmlformats.org/wordprocessingml/2006/main" matchingName="" preserve="1" showMasterPhAnim="0" showMasterSp="1" type="titleOnly" userDrawn="1">
+<p:sldLayout xmlns:a="http://schemas.openxmlformats.org/drawingml/2006/main" xmlns:r="http://schemas.openxmlformats.org/officeDocument/2006/relationships" xmlns:p="http://schemas.openxmlformats.org/presentationml/2006/main" showMasterPhAnim="0" type="titleOnly" preserve="1" userDrawn="1">
   <p:cSld name="Title Only">
     <p:spTree>
       <p:nvGrpSpPr>
@@ -2412,7 +2418,6 @@
               <a:rPr lang="en-US"/>
               <a:t>Click to edit Master title style</a:t>
             </a:r>
-            <a:endParaRPr lang="en-US"/>
           </a:p>
         </p:txBody>
       </p:sp>
@@ -2436,7 +2441,7 @@
             </a:pPr>
             <a:fld id="{BCC18F51-09EC-435C-A3BA-64A766E099C0}" type="datetimeFigureOut">
               <a:rPr lang="en-US"/>
-              <a:t>4/28/2025</a:t>
+              <a:t>4/29/25</a:t>
             </a:fld>
             <a:endParaRPr lang="en-US"/>
           </a:p>
@@ -2484,7 +2489,7 @@
             </a:pPr>
             <a:fld id="{08395586-F03A-48D1-94DF-16B239DF4FB5}" type="slidenum">
               <a:rPr lang="en-US"/>
-              <a:t>&lt;#&gt;</a:t>
+              <a:t>‹#›</a:t>
             </a:fld>
             <a:endParaRPr lang="en-US"/>
           </a:p>
@@ -2499,7 +2504,7 @@
 </file>
 
 <file path=ppt/slideLayouts/slideLayout7.xml><?xml version="1.0" encoding="utf-8"?>
-<p:sldLayout xmlns:a="http://schemas.openxmlformats.org/drawingml/2006/main" xmlns:r="http://schemas.openxmlformats.org/officeDocument/2006/relationships" xmlns:p="http://schemas.openxmlformats.org/presentationml/2006/main" xmlns:m="http://schemas.openxmlformats.org/officeDocument/2006/math" xmlns:w="http://schemas.openxmlformats.org/wordprocessingml/2006/main" matchingName="" preserve="1" showMasterPhAnim="0" showMasterSp="1" type="blank" userDrawn="1">
+<p:sldLayout xmlns:a="http://schemas.openxmlformats.org/drawingml/2006/main" xmlns:r="http://schemas.openxmlformats.org/officeDocument/2006/relationships" xmlns:p="http://schemas.openxmlformats.org/presentationml/2006/main" showMasterPhAnim="0" type="blank" preserve="1" userDrawn="1">
   <p:cSld name="Blank">
     <p:spTree>
       <p:nvGrpSpPr>
@@ -2535,7 +2540,7 @@
             </a:pPr>
             <a:fld id="{BCC18F51-09EC-435C-A3BA-64A766E099C0}" type="datetimeFigureOut">
               <a:rPr lang="en-US"/>
-              <a:t>4/28/2025</a:t>
+              <a:t>4/29/25</a:t>
             </a:fld>
             <a:endParaRPr lang="en-US"/>
           </a:p>
@@ -2583,7 +2588,7 @@
             </a:pPr>
             <a:fld id="{08395586-F03A-48D1-94DF-16B239DF4FB5}" type="slidenum">
               <a:rPr lang="en-US"/>
-              <a:t>&lt;#&gt;</a:t>
+              <a:t>‹#›</a:t>
             </a:fld>
             <a:endParaRPr lang="en-US"/>
           </a:p>
@@ -2598,7 +2603,7 @@
 </file>
 
 <file path=ppt/slideLayouts/slideLayout8.xml><?xml version="1.0" encoding="utf-8"?>
-<p:sldLayout xmlns:a="http://schemas.openxmlformats.org/drawingml/2006/main" xmlns:r="http://schemas.openxmlformats.org/officeDocument/2006/relationships" xmlns:p="http://schemas.openxmlformats.org/presentationml/2006/main" xmlns:m="http://schemas.openxmlformats.org/officeDocument/2006/math" xmlns:w="http://schemas.openxmlformats.org/wordprocessingml/2006/main" matchingName="" preserve="1" showMasterPhAnim="0" showMasterSp="1" type="objTx" userDrawn="1">
+<p:sldLayout xmlns:a="http://schemas.openxmlformats.org/drawingml/2006/main" xmlns:r="http://schemas.openxmlformats.org/officeDocument/2006/relationships" xmlns:p="http://schemas.openxmlformats.org/presentationml/2006/main" showMasterPhAnim="0" type="objTx" preserve="1" userDrawn="1">
   <p:cSld name="Content with Caption">
     <p:spTree>
       <p:nvGrpSpPr>
@@ -2645,7 +2650,6 @@
               <a:rPr lang="en-US"/>
               <a:t>Click to edit Master title style</a:t>
             </a:r>
-            <a:endParaRPr lang="en-US"/>
           </a:p>
         </p:txBody>
       </p:sp>
@@ -2744,7 +2748,6 @@
               <a:rPr lang="en-US"/>
               <a:t>Fifth level</a:t>
             </a:r>
-            <a:endParaRPr lang="en-US"/>
           </a:p>
         </p:txBody>
       </p:sp>
@@ -2836,7 +2839,7 @@
             </a:pPr>
             <a:fld id="{BCC18F51-09EC-435C-A3BA-64A766E099C0}" type="datetimeFigureOut">
               <a:rPr lang="en-US"/>
-              <a:t>4/28/2025</a:t>
+              <a:t>4/29/25</a:t>
             </a:fld>
             <a:endParaRPr lang="en-US"/>
           </a:p>
@@ -2884,7 +2887,7 @@
             </a:pPr>
             <a:fld id="{08395586-F03A-48D1-94DF-16B239DF4FB5}" type="slidenum">
               <a:rPr lang="en-US"/>
-              <a:t>&lt;#&gt;</a:t>
+              <a:t>‹#›</a:t>
             </a:fld>
             <a:endParaRPr lang="en-US"/>
           </a:p>
@@ -2899,7 +2902,7 @@
 </file>
 
 <file path=ppt/slideLayouts/slideLayout9.xml><?xml version="1.0" encoding="utf-8"?>
-<p:sldLayout xmlns:a="http://schemas.openxmlformats.org/drawingml/2006/main" xmlns:r="http://schemas.openxmlformats.org/officeDocument/2006/relationships" xmlns:p="http://schemas.openxmlformats.org/presentationml/2006/main" xmlns:m="http://schemas.openxmlformats.org/officeDocument/2006/math" xmlns:w="http://schemas.openxmlformats.org/wordprocessingml/2006/main" matchingName="" preserve="1" showMasterPhAnim="0" showMasterSp="1" type="picTx" userDrawn="1">
+<p:sldLayout xmlns:a="http://schemas.openxmlformats.org/drawingml/2006/main" xmlns:r="http://schemas.openxmlformats.org/officeDocument/2006/relationships" xmlns:p="http://schemas.openxmlformats.org/presentationml/2006/main" showMasterPhAnim="0" type="picTx" preserve="1" userDrawn="1">
   <p:cSld name="Picture with Caption">
     <p:spTree>
       <p:nvGrpSpPr>
@@ -2946,7 +2949,6 @@
               <a:rPr lang="en-US"/>
               <a:t>Click to edit Master title style</a:t>
             </a:r>
-            <a:endParaRPr lang="en-US"/>
           </a:p>
         </p:txBody>
       </p:sp>
@@ -2954,7 +2956,7 @@
         <p:nvSpPr>
           <p:cNvPr id="1001908639" name="Picture Placeholder 2"/>
           <p:cNvSpPr>
-            <a:spLocks noChangeAspect="1" noGrp="1"/>
+            <a:spLocks noGrp="1" noChangeAspect="1"/>
           </p:cNvSpPr>
           <p:nvPr>
             <p:ph type="pic" idx="1"/>
@@ -3014,7 +3016,6 @@
               <a:rPr lang="en-US"/>
               <a:t>Click icon to add picture</a:t>
             </a:r>
-            <a:endParaRPr lang="en-US"/>
           </a:p>
         </p:txBody>
       </p:sp>
@@ -3106,7 +3107,7 @@
             </a:pPr>
             <a:fld id="{BCC18F51-09EC-435C-A3BA-64A766E099C0}" type="datetimeFigureOut">
               <a:rPr lang="en-US"/>
-              <a:t>4/28/2025</a:t>
+              <a:t>4/29/25</a:t>
             </a:fld>
             <a:endParaRPr lang="en-US"/>
           </a:p>
@@ -3154,7 +3155,7 @@
             </a:pPr>
             <a:fld id="{08395586-F03A-48D1-94DF-16B239DF4FB5}" type="slidenum">
               <a:rPr lang="en-US"/>
-              <a:t>&lt;#&gt;</a:t>
+              <a:t>‹#›</a:t>
             </a:fld>
             <a:endParaRPr lang="en-US"/>
           </a:p>
@@ -3169,8 +3170,8 @@
 </file>
 
 <file path=ppt/slideMasters/slideMaster1.xml><?xml version="1.0" encoding="utf-8"?>
-<p:sldMaster xmlns:a="http://schemas.openxmlformats.org/drawingml/2006/main" xmlns:r="http://schemas.openxmlformats.org/officeDocument/2006/relationships" xmlns:p="http://schemas.openxmlformats.org/presentationml/2006/main" xmlns:m="http://schemas.openxmlformats.org/officeDocument/2006/math" xmlns:w="http://schemas.openxmlformats.org/wordprocessingml/2006/main" preserve="0">
-  <p:cSld name="">
+<p:sldMaster xmlns:a="http://schemas.openxmlformats.org/drawingml/2006/main" xmlns:r="http://schemas.openxmlformats.org/officeDocument/2006/relationships" xmlns:p="http://schemas.openxmlformats.org/presentationml/2006/main">
+  <p:cSld>
     <p:bg>
       <p:bgRef idx="1001">
         <a:schemeClr val="bg1"/>
@@ -3222,7 +3223,6 @@
               <a:rPr lang="en-US"/>
               <a:t>Click to edit Master title style</a:t>
             </a:r>
-            <a:endParaRPr lang="en-US"/>
           </a:p>
         </p:txBody>
       </p:sp>
@@ -3298,7 +3298,6 @@
               <a:rPr lang="en-US"/>
               <a:t>Fifth level</a:t>
             </a:r>
-            <a:endParaRPr lang="en-US"/>
           </a:p>
         </p:txBody>
       </p:sp>
@@ -3340,7 +3339,7 @@
             </a:pPr>
             <a:fld id="{BCC18F51-09EC-435C-A3BA-64A766E099C0}" type="datetimeFigureOut">
               <a:rPr lang="en-US"/>
-              <a:t>4/28/2025</a:t>
+              <a:t>4/29/25</a:t>
             </a:fld>
             <a:endParaRPr lang="en-US"/>
           </a:p>
@@ -3424,7 +3423,7 @@
             </a:pPr>
             <a:fld id="{08395586-F03A-48D1-94DF-16B239DF4FB5}" type="slidenum">
               <a:rPr lang="en-US"/>
-              <a:t>1</a:t>
+              <a:t>‹#›</a:t>
             </a:fld>
             <a:endParaRPr lang="en-US"/>
           </a:p>
@@ -3730,8 +3729,8 @@
 </file>
 
 <file path=ppt/slides/slide1.xml><?xml version="1.0" encoding="utf-8"?>
-<p:sld xmlns:a="http://schemas.openxmlformats.org/drawingml/2006/main" xmlns:r="http://schemas.openxmlformats.org/officeDocument/2006/relationships" xmlns:p="http://schemas.openxmlformats.org/presentationml/2006/main" xmlns:m="http://schemas.openxmlformats.org/officeDocument/2006/math" xmlns:w="http://schemas.openxmlformats.org/wordprocessingml/2006/main" xmlns:mc="http://schemas.openxmlformats.org/markup-compatibility/2006" showMasterPhAnim="0" showMasterSp="1" show="1">
-  <p:cSld name="">
+<p:sld xmlns:a="http://schemas.openxmlformats.org/drawingml/2006/main" xmlns:r="http://schemas.openxmlformats.org/officeDocument/2006/relationships" xmlns:p="http://schemas.openxmlformats.org/presentationml/2006/main" showMasterPhAnim="0">
+  <p:cSld>
     <p:spTree>
       <p:nvGrpSpPr>
         <p:cNvPr id="1" name=""/>
@@ -3766,13 +3765,8 @@
             </a:pPr>
             <a:r>
               <a:rPr lang="en-US"/>
-              <a:t>Testing Title 0122</a:t>
-            </a:r>
-            <a:r>
-              <a:rPr lang="en-US"/>
-              <a:t>33</a:t>
-            </a:r>
-            <a:endParaRPr lang="en-US"/>
+              <a:t>Testing Title 012233</a:t>
+            </a:r>
           </a:p>
         </p:txBody>
       </p:sp>
@@ -3798,18 +3792,17 @@
               <a:rPr lang="en-US"/>
               <a:t>Description of first slide</a:t>
             </a:r>
-            <a:endParaRPr lang="en-US"/>
-          </a:p>
-        </p:txBody>
-      </p:sp>
-      <p:sp>
-        <p:nvSpPr>
-          <p:cNvPr id="210326512" name=""/>
+          </a:p>
+        </p:txBody>
+      </p:sp>
+      <p:sp>
+        <p:nvSpPr>
+          <p:cNvPr id="210326512" name="Rectangle 210326511"/>
           <p:cNvSpPr/>
           <p:nvPr/>
         </p:nvSpPr>
         <p:spPr bwMode="auto">
-          <a:xfrm flipH="0" flipV="0">
+          <a:xfrm>
             <a:off x="43416" y="444499"/>
             <a:ext cx="3460749" cy="1799166"/>
           </a:xfrm>
@@ -3833,15 +3826,22 @@
             <a:schemeClr val="lt1"/>
           </a:fontRef>
         </p:style>
-      </p:sp>
-      <p:sp>
-        <p:nvSpPr>
-          <p:cNvPr id="659956533" name=""/>
+        <p:txBody>
+          <a:bodyPr/>
+          <a:lstStyle/>
+          <a:p>
+            <a:endParaRPr lang="en-CZ"/>
+          </a:p>
+        </p:txBody>
+      </p:sp>
+      <p:sp>
+        <p:nvSpPr>
+          <p:cNvPr id="659956533" name="Rectangle 659956532"/>
           <p:cNvSpPr/>
           <p:nvPr/>
         </p:nvSpPr>
         <p:spPr bwMode="auto">
-          <a:xfrm flipH="0" flipV="0">
+          <a:xfrm>
             <a:off x="6425166" y="560916"/>
             <a:ext cx="2465916" cy="1047749"/>
           </a:xfrm>
@@ -3865,15 +3865,22 @@
             <a:schemeClr val="lt1"/>
           </a:fontRef>
         </p:style>
-      </p:sp>
-      <p:sp>
-        <p:nvSpPr>
-          <p:cNvPr id="1977449581" name=""/>
+        <p:txBody>
+          <a:bodyPr/>
+          <a:lstStyle/>
+          <a:p>
+            <a:endParaRPr lang="en-CZ"/>
+          </a:p>
+        </p:txBody>
+      </p:sp>
+      <p:sp>
+        <p:nvSpPr>
+          <p:cNvPr id="1977449581" name="Rectangle 1977449580"/>
           <p:cNvSpPr/>
           <p:nvPr/>
         </p:nvSpPr>
         <p:spPr bwMode="auto">
-          <a:xfrm flipH="0" flipV="0">
+          <a:xfrm>
             <a:off x="1556833" y="4413249"/>
             <a:ext cx="2645833" cy="592666"/>
           </a:xfrm>
@@ -3897,15 +3904,22 @@
             <a:schemeClr val="lt1"/>
           </a:fontRef>
         </p:style>
-      </p:sp>
-      <p:sp>
-        <p:nvSpPr>
-          <p:cNvPr id="851053918" name=""/>
+        <p:txBody>
+          <a:bodyPr/>
+          <a:lstStyle/>
+          <a:p>
+            <a:endParaRPr lang="en-CZ"/>
+          </a:p>
+        </p:txBody>
+      </p:sp>
+      <p:sp>
+        <p:nvSpPr>
+          <p:cNvPr id="851053918" name="Rectangle 851053917"/>
           <p:cNvSpPr/>
           <p:nvPr/>
         </p:nvSpPr>
         <p:spPr bwMode="auto">
-          <a:xfrm flipH="0" flipV="0">
+          <a:xfrm>
             <a:off x="7726916" y="5259916"/>
             <a:ext cx="3153833" cy="719666"/>
           </a:xfrm>
@@ -3929,26 +3943,25 @@
             <a:schemeClr val="lt1"/>
           </a:fontRef>
         </p:style>
+        <p:txBody>
+          <a:bodyPr/>
+          <a:lstStyle/>
+          <a:p>
+            <a:endParaRPr lang="en-CZ"/>
+          </a:p>
+        </p:txBody>
       </p:sp>
     </p:spTree>
   </p:cSld>
   <p:clrMapOvr>
     <a:masterClrMapping/>
   </p:clrMapOvr>
-  <mc:AlternateContent xmlns:mc="http://schemas.openxmlformats.org/markup-compatibility/2006">
-    <mc:Choice xmlns:p159="http://schemas.microsoft.com/office/powerpoint/2015/09/main" xmlns:p14="http://schemas.microsoft.com/office/powerpoint/2010/main" Requires="p159">
-      <p:transition p14:dur="2000" advClick="1"/>
-    </mc:Choice>
-    <mc:Fallback>
-      <p:transition advClick="1"/>
-    </mc:Fallback>
-  </mc:AlternateContent>
 </p:sld>
 </file>
 
 <file path=ppt/slides/slide2.xml><?xml version="1.0" encoding="utf-8"?>
-<p:sld xmlns:a="http://schemas.openxmlformats.org/drawingml/2006/main" xmlns:r="http://schemas.openxmlformats.org/officeDocument/2006/relationships" xmlns:p="http://schemas.openxmlformats.org/presentationml/2006/main" xmlns:m="http://schemas.openxmlformats.org/officeDocument/2006/math" xmlns:w="http://schemas.openxmlformats.org/wordprocessingml/2006/main" xmlns:mc="http://schemas.openxmlformats.org/markup-compatibility/2006" showMasterPhAnim="0" showMasterSp="1" show="1">
-  <p:cSld name="">
+<p:sld xmlns:a="http://schemas.openxmlformats.org/drawingml/2006/main" xmlns:r="http://schemas.openxmlformats.org/officeDocument/2006/relationships" xmlns:p="http://schemas.openxmlformats.org/presentationml/2006/main" showMasterPhAnim="0">
+  <p:cSld>
     <p:spTree>
       <p:nvGrpSpPr>
         <p:cNvPr id="1" name=""/>
@@ -3982,10 +3995,8 @@
               <a:defRPr/>
             </a:pPr>
             <a:r>
-              <a:rPr/>
               <a:t>SECOND SLIDE 02 02</a:t>
             </a:r>
-            <a:endParaRPr/>
           </a:p>
         </p:txBody>
       </p:sp>
@@ -4008,31 +4019,57 @@
               <a:defRPr/>
             </a:pPr>
             <a:r>
-              <a:rPr/>
               <a:t>testing this description of slide 02</a:t>
             </a:r>
-            <a:endParaRPr/>
-          </a:p>
-        </p:txBody>
-      </p:sp>
+          </a:p>
+        </p:txBody>
+      </p:sp>
+      <p:pic>
+        <p:nvPicPr>
+          <p:cNvPr id="3" name="Picture 2">
+            <a:extLst>
+              <a:ext uri="{FF2B5EF4-FFF2-40B4-BE49-F238E27FC236}">
+                <a16:creationId xmlns:a16="http://schemas.microsoft.com/office/drawing/2014/main" id="{8883E189-1969-0115-AE0F-431186B5043E}"/>
+              </a:ext>
+            </a:extLst>
+          </p:cNvPr>
+          <p:cNvPicPr>
+            <a:picLocks noChangeAspect="1"/>
+          </p:cNvPicPr>
+          <p:nvPr/>
+        </p:nvPicPr>
+        <p:blipFill>
+          <a:blip r:embed="rId3">
+            <a:extLst>
+              <a:ext uri="{28A0092B-C50C-407E-A947-70E740481C1C}">
+                <a14:useLocalDpi xmlns:a14="http://schemas.microsoft.com/office/drawing/2010/main" val="0"/>
+              </a:ext>
+            </a:extLst>
+          </a:blip>
+          <a:stretch>
+            <a:fillRect/>
+          </a:stretch>
+        </p:blipFill>
+        <p:spPr>
+          <a:xfrm>
+            <a:off x="838200" y="2747963"/>
+            <a:ext cx="2571750" cy="3429000"/>
+          </a:xfrm>
+          <a:prstGeom prst="rect">
+            <a:avLst/>
+          </a:prstGeom>
+        </p:spPr>
+      </p:pic>
     </p:spTree>
   </p:cSld>
   <p:clrMapOvr>
     <a:masterClrMapping/>
   </p:clrMapOvr>
-  <mc:AlternateContent xmlns:mc="http://schemas.openxmlformats.org/markup-compatibility/2006">
-    <mc:Choice xmlns:p159="http://schemas.microsoft.com/office/powerpoint/2015/09/main" xmlns:p14="http://schemas.microsoft.com/office/powerpoint/2010/main" Requires="p159">
-      <p:transition p14:dur="2000" advClick="1"/>
-    </mc:Choice>
-    <mc:Fallback>
-      <p:transition advClick="1"/>
-    </mc:Fallback>
-  </mc:AlternateContent>
 </p:sld>
 </file>
 
 <file path=ppt/theme/theme1.xml><?xml version="1.0" encoding="utf-8"?>
-<a:theme xmlns:a="http://schemas.openxmlformats.org/drawingml/2006/main" xmlns:r="http://schemas.openxmlformats.org/officeDocument/2006/relationships" xmlns:p="http://schemas.openxmlformats.org/presentationml/2006/main" name="Office Theme">
+<a:theme xmlns:a="http://schemas.openxmlformats.org/drawingml/2006/main" name="Office Theme">
   <a:themeElements>
     <a:clrScheme name="New Office">
       <a:dk1>
@@ -4235,11 +4272,12 @@
     </a:fmtScheme>
   </a:themeElements>
   <a:objectDefaults/>
+  <a:extraClrSchemeLst/>
 </a:theme>
 </file>
 
 <file path=ppt/theme/theme2.xml><?xml version="1.0" encoding="utf-8"?>
-<a:theme xmlns:a="http://schemas.openxmlformats.org/drawingml/2006/main" xmlns:r="http://schemas.openxmlformats.org/officeDocument/2006/relationships" xmlns:p="http://schemas.openxmlformats.org/presentationml/2006/main" name="Office Theme">
+<a:theme xmlns:a="http://schemas.openxmlformats.org/drawingml/2006/main" name="Office Theme">
   <a:themeElements>
     <a:clrScheme name="Office">
       <a:dk1>
@@ -4442,5 +4480,6 @@
     </a:fmtScheme>
   </a:themeElements>
   <a:objectDefaults/>
+  <a:extraClrSchemeLst/>
 </a:theme>
 </file>
--- a/myfile.pptx
+++ b/myfile.pptx
@@ -3767,6 +3767,7 @@
               <a:rPr lang="en-US"/>
               <a:t>Testing Title 012233</a:t>
             </a:r>
+            <a:endParaRPr lang="en-US" dirty="0"/>
           </a:p>
         </p:txBody>
       </p:sp>
@@ -3795,162 +3796,42 @@
           </a:p>
         </p:txBody>
       </p:sp>
-      <p:sp>
-        <p:nvSpPr>
-          <p:cNvPr id="210326512" name="Rectangle 210326511"/>
-          <p:cNvSpPr/>
+      <p:pic>
+        <p:nvPicPr>
+          <p:cNvPr id="5" name="Picture 4">
+            <a:extLst>
+              <a:ext uri="{FF2B5EF4-FFF2-40B4-BE49-F238E27FC236}">
+                <a16:creationId xmlns:a16="http://schemas.microsoft.com/office/drawing/2014/main" id="{310A635C-2E54-5AAF-8240-3882ADEAE309}"/>
+              </a:ext>
+            </a:extLst>
+          </p:cNvPr>
+          <p:cNvPicPr>
+            <a:picLocks noChangeAspect="1"/>
+          </p:cNvPicPr>
           <p:nvPr/>
-        </p:nvSpPr>
-        <p:spPr bwMode="auto">
+        </p:nvPicPr>
+        <p:blipFill>
+          <a:blip r:embed="rId3">
+            <a:extLst>
+              <a:ext uri="{28A0092B-C50C-407E-A947-70E740481C1C}">
+                <a14:useLocalDpi xmlns:a14="http://schemas.microsoft.com/office/drawing/2010/main" val="0"/>
+              </a:ext>
+            </a:extLst>
+          </a:blip>
+          <a:stretch>
+            <a:fillRect/>
+          </a:stretch>
+        </p:blipFill>
+        <p:spPr>
           <a:xfrm>
-            <a:off x="43416" y="444499"/>
-            <a:ext cx="3460749" cy="1799166"/>
+            <a:off x="906448" y="3782433"/>
+            <a:ext cx="1973301" cy="2631068"/>
           </a:xfrm>
           <a:prstGeom prst="rect">
             <a:avLst/>
           </a:prstGeom>
         </p:spPr>
-        <p:style>
-          <a:lnRef idx="2">
-            <a:schemeClr val="accent1">
-              <a:shade val="50000"/>
-            </a:schemeClr>
-          </a:lnRef>
-          <a:fillRef idx="1">
-            <a:schemeClr val="accent1"/>
-          </a:fillRef>
-          <a:effectRef idx="0">
-            <a:schemeClr val="accent1"/>
-          </a:effectRef>
-          <a:fontRef idx="minor">
-            <a:schemeClr val="lt1"/>
-          </a:fontRef>
-        </p:style>
-        <p:txBody>
-          <a:bodyPr/>
-          <a:lstStyle/>
-          <a:p>
-            <a:endParaRPr lang="en-CZ"/>
-          </a:p>
-        </p:txBody>
-      </p:sp>
-      <p:sp>
-        <p:nvSpPr>
-          <p:cNvPr id="659956533" name="Rectangle 659956532"/>
-          <p:cNvSpPr/>
-          <p:nvPr/>
-        </p:nvSpPr>
-        <p:spPr bwMode="auto">
-          <a:xfrm>
-            <a:off x="6425166" y="560916"/>
-            <a:ext cx="2465916" cy="1047749"/>
-          </a:xfrm>
-          <a:prstGeom prst="rect">
-            <a:avLst/>
-          </a:prstGeom>
-        </p:spPr>
-        <p:style>
-          <a:lnRef idx="2">
-            <a:schemeClr val="accent1">
-              <a:shade val="50000"/>
-            </a:schemeClr>
-          </a:lnRef>
-          <a:fillRef idx="1">
-            <a:schemeClr val="accent1"/>
-          </a:fillRef>
-          <a:effectRef idx="0">
-            <a:schemeClr val="accent1"/>
-          </a:effectRef>
-          <a:fontRef idx="minor">
-            <a:schemeClr val="lt1"/>
-          </a:fontRef>
-        </p:style>
-        <p:txBody>
-          <a:bodyPr/>
-          <a:lstStyle/>
-          <a:p>
-            <a:endParaRPr lang="en-CZ"/>
-          </a:p>
-        </p:txBody>
-      </p:sp>
-      <p:sp>
-        <p:nvSpPr>
-          <p:cNvPr id="1977449581" name="Rectangle 1977449580"/>
-          <p:cNvSpPr/>
-          <p:nvPr/>
-        </p:nvSpPr>
-        <p:spPr bwMode="auto">
-          <a:xfrm>
-            <a:off x="1556833" y="4413249"/>
-            <a:ext cx="2645833" cy="592666"/>
-          </a:xfrm>
-          <a:prstGeom prst="rect">
-            <a:avLst/>
-          </a:prstGeom>
-        </p:spPr>
-        <p:style>
-          <a:lnRef idx="2">
-            <a:schemeClr val="accent1">
-              <a:shade val="50000"/>
-            </a:schemeClr>
-          </a:lnRef>
-          <a:fillRef idx="1">
-            <a:schemeClr val="accent1"/>
-          </a:fillRef>
-          <a:effectRef idx="0">
-            <a:schemeClr val="accent1"/>
-          </a:effectRef>
-          <a:fontRef idx="minor">
-            <a:schemeClr val="lt1"/>
-          </a:fontRef>
-        </p:style>
-        <p:txBody>
-          <a:bodyPr/>
-          <a:lstStyle/>
-          <a:p>
-            <a:endParaRPr lang="en-CZ"/>
-          </a:p>
-        </p:txBody>
-      </p:sp>
-      <p:sp>
-        <p:nvSpPr>
-          <p:cNvPr id="851053918" name="Rectangle 851053917"/>
-          <p:cNvSpPr/>
-          <p:nvPr/>
-        </p:nvSpPr>
-        <p:spPr bwMode="auto">
-          <a:xfrm>
-            <a:off x="7726916" y="5259916"/>
-            <a:ext cx="3153833" cy="719666"/>
-          </a:xfrm>
-          <a:prstGeom prst="rect">
-            <a:avLst/>
-          </a:prstGeom>
-        </p:spPr>
-        <p:style>
-          <a:lnRef idx="2">
-            <a:schemeClr val="accent1">
-              <a:shade val="50000"/>
-            </a:schemeClr>
-          </a:lnRef>
-          <a:fillRef idx="1">
-            <a:schemeClr val="accent1"/>
-          </a:fillRef>
-          <a:effectRef idx="0">
-            <a:schemeClr val="accent1"/>
-          </a:effectRef>
-          <a:fontRef idx="minor">
-            <a:schemeClr val="lt1"/>
-          </a:fontRef>
-        </p:style>
-        <p:txBody>
-          <a:bodyPr/>
-          <a:lstStyle/>
-          <a:p>
-            <a:endParaRPr lang="en-CZ"/>
-          </a:p>
-        </p:txBody>
-      </p:sp>
+      </p:pic>
     </p:spTree>
   </p:cSld>
   <p:clrMapOvr>
@@ -4024,42 +3905,6 @@
           </a:p>
         </p:txBody>
       </p:sp>
-      <p:pic>
-        <p:nvPicPr>
-          <p:cNvPr id="3" name="Picture 2">
-            <a:extLst>
-              <a:ext uri="{FF2B5EF4-FFF2-40B4-BE49-F238E27FC236}">
-                <a16:creationId xmlns:a16="http://schemas.microsoft.com/office/drawing/2014/main" id="{8883E189-1969-0115-AE0F-431186B5043E}"/>
-              </a:ext>
-            </a:extLst>
-          </p:cNvPr>
-          <p:cNvPicPr>
-            <a:picLocks noChangeAspect="1"/>
-          </p:cNvPicPr>
-          <p:nvPr/>
-        </p:nvPicPr>
-        <p:blipFill>
-          <a:blip r:embed="rId3">
-            <a:extLst>
-              <a:ext uri="{28A0092B-C50C-407E-A947-70E740481C1C}">
-                <a14:useLocalDpi xmlns:a14="http://schemas.microsoft.com/office/drawing/2010/main" val="0"/>
-              </a:ext>
-            </a:extLst>
-          </a:blip>
-          <a:stretch>
-            <a:fillRect/>
-          </a:stretch>
-        </p:blipFill>
-        <p:spPr>
-          <a:xfrm>
-            <a:off x="838200" y="2747963"/>
-            <a:ext cx="2571750" cy="3429000"/>
-          </a:xfrm>
-          <a:prstGeom prst="rect">
-            <a:avLst/>
-          </a:prstGeom>
-        </p:spPr>
-      </p:pic>
     </p:spTree>
   </p:cSld>
   <p:clrMapOvr>
